--- a/PPT/Core/1Basic/3CSS.pptx
+++ b/PPT/Core/1Basic/3CSS.pptx
@@ -149,7 +149,7 @@
   </p:defaultTextStyle>
   <p:extLst>
     <p:ext uri="{EFAFB233-063F-42B5-8137-9DF3F51BA10A}">
-      <p15:sldGuideLst xmlns:p15="http://schemas.microsoft.com/office/powerpoint/2012/main" xmlns="">
+      <p15:sldGuideLst xmlns="" xmlns:p15="http://schemas.microsoft.com/office/powerpoint/2012/main">
         <p15:guide id="1" orient="horz" pos="2160">
           <p15:clr>
             <a:srgbClr val="A4A3A4"/>
@@ -298,7 +298,7 @@
             <a:fld id="{7FCC5AE5-E495-4913-B643-A95A6AFABB00}" type="datetimeFigureOut">
               <a:rPr kumimoji="1" lang="ja-JP" altLang="en-US" smtClean="0"/>
               <a:pPr/>
-              <a:t>2022/8/21</a:t>
+              <a:t>2022/8/30</a:t>
             </a:fld>
             <a:endParaRPr kumimoji="1" lang="ja-JP" altLang="en-US"/>
           </a:p>
@@ -350,7 +350,7 @@
     </p:spTree>
     <p:extLst>
       <p:ext uri="{BB962C8B-B14F-4D97-AF65-F5344CB8AC3E}">
-        <p14:creationId xmlns:p14="http://schemas.microsoft.com/office/powerpoint/2010/main" xmlns="" val="3096064434"/>
+        <p14:creationId xmlns="" xmlns:p14="http://schemas.microsoft.com/office/powerpoint/2010/main" val="3096064434"/>
       </p:ext>
     </p:extLst>
   </p:cSld>
@@ -470,7 +470,7 @@
             <a:fld id="{7FCC5AE5-E495-4913-B643-A95A6AFABB00}" type="datetimeFigureOut">
               <a:rPr kumimoji="1" lang="ja-JP" altLang="en-US" smtClean="0"/>
               <a:pPr/>
-              <a:t>2022/8/21</a:t>
+              <a:t>2022/8/30</a:t>
             </a:fld>
             <a:endParaRPr kumimoji="1" lang="ja-JP" altLang="en-US"/>
           </a:p>
@@ -522,7 +522,7 @@
     </p:spTree>
     <p:extLst>
       <p:ext uri="{BB962C8B-B14F-4D97-AF65-F5344CB8AC3E}">
-        <p14:creationId xmlns:p14="http://schemas.microsoft.com/office/powerpoint/2010/main" xmlns="" val="71407721"/>
+        <p14:creationId xmlns="" xmlns:p14="http://schemas.microsoft.com/office/powerpoint/2010/main" val="71407721"/>
       </p:ext>
     </p:extLst>
   </p:cSld>
@@ -652,7 +652,7 @@
             <a:fld id="{7FCC5AE5-E495-4913-B643-A95A6AFABB00}" type="datetimeFigureOut">
               <a:rPr kumimoji="1" lang="ja-JP" altLang="en-US" smtClean="0"/>
               <a:pPr/>
-              <a:t>2022/8/21</a:t>
+              <a:t>2022/8/30</a:t>
             </a:fld>
             <a:endParaRPr kumimoji="1" lang="ja-JP" altLang="en-US"/>
           </a:p>
@@ -704,7 +704,7 @@
     </p:spTree>
     <p:extLst>
       <p:ext uri="{BB962C8B-B14F-4D97-AF65-F5344CB8AC3E}">
-        <p14:creationId xmlns:p14="http://schemas.microsoft.com/office/powerpoint/2010/main" xmlns="" val="3852493858"/>
+        <p14:creationId xmlns="" xmlns:p14="http://schemas.microsoft.com/office/powerpoint/2010/main" val="3852493858"/>
       </p:ext>
     </p:extLst>
   </p:cSld>
@@ -824,7 +824,7 @@
             <a:fld id="{7FCC5AE5-E495-4913-B643-A95A6AFABB00}" type="datetimeFigureOut">
               <a:rPr kumimoji="1" lang="ja-JP" altLang="en-US" smtClean="0"/>
               <a:pPr/>
-              <a:t>2022/8/21</a:t>
+              <a:t>2022/8/30</a:t>
             </a:fld>
             <a:endParaRPr kumimoji="1" lang="ja-JP" altLang="en-US"/>
           </a:p>
@@ -876,7 +876,7 @@
     </p:spTree>
     <p:extLst>
       <p:ext uri="{BB962C8B-B14F-4D97-AF65-F5344CB8AC3E}">
-        <p14:creationId xmlns:p14="http://schemas.microsoft.com/office/powerpoint/2010/main" xmlns="" val="282795843"/>
+        <p14:creationId xmlns="" xmlns:p14="http://schemas.microsoft.com/office/powerpoint/2010/main" val="282795843"/>
       </p:ext>
     </p:extLst>
   </p:cSld>
@@ -1072,7 +1072,7 @@
             <a:fld id="{7FCC5AE5-E495-4913-B643-A95A6AFABB00}" type="datetimeFigureOut">
               <a:rPr kumimoji="1" lang="ja-JP" altLang="en-US" smtClean="0"/>
               <a:pPr/>
-              <a:t>2022/8/21</a:t>
+              <a:t>2022/8/30</a:t>
             </a:fld>
             <a:endParaRPr kumimoji="1" lang="ja-JP" altLang="en-US"/>
           </a:p>
@@ -1124,7 +1124,7 @@
     </p:spTree>
     <p:extLst>
       <p:ext uri="{BB962C8B-B14F-4D97-AF65-F5344CB8AC3E}">
-        <p14:creationId xmlns:p14="http://schemas.microsoft.com/office/powerpoint/2010/main" xmlns="" val="1315004973"/>
+        <p14:creationId xmlns="" xmlns:p14="http://schemas.microsoft.com/office/powerpoint/2010/main" val="1315004973"/>
       </p:ext>
     </p:extLst>
   </p:cSld>
@@ -1306,7 +1306,7 @@
             <a:fld id="{7FCC5AE5-E495-4913-B643-A95A6AFABB00}" type="datetimeFigureOut">
               <a:rPr kumimoji="1" lang="ja-JP" altLang="en-US" smtClean="0"/>
               <a:pPr/>
-              <a:t>2022/8/21</a:t>
+              <a:t>2022/8/30</a:t>
             </a:fld>
             <a:endParaRPr kumimoji="1" lang="ja-JP" altLang="en-US"/>
           </a:p>
@@ -1358,7 +1358,7 @@
     </p:spTree>
     <p:extLst>
       <p:ext uri="{BB962C8B-B14F-4D97-AF65-F5344CB8AC3E}">
-        <p14:creationId xmlns:p14="http://schemas.microsoft.com/office/powerpoint/2010/main" xmlns="" val="3048296005"/>
+        <p14:creationId xmlns="" xmlns:p14="http://schemas.microsoft.com/office/powerpoint/2010/main" val="3048296005"/>
       </p:ext>
     </p:extLst>
   </p:cSld>
@@ -1675,7 +1675,7 @@
             <a:fld id="{7FCC5AE5-E495-4913-B643-A95A6AFABB00}" type="datetimeFigureOut">
               <a:rPr kumimoji="1" lang="ja-JP" altLang="en-US" smtClean="0"/>
               <a:pPr/>
-              <a:t>2022/8/21</a:t>
+              <a:t>2022/8/30</a:t>
             </a:fld>
             <a:endParaRPr kumimoji="1" lang="ja-JP" altLang="en-US"/>
           </a:p>
@@ -1727,7 +1727,7 @@
     </p:spTree>
     <p:extLst>
       <p:ext uri="{BB962C8B-B14F-4D97-AF65-F5344CB8AC3E}">
-        <p14:creationId xmlns:p14="http://schemas.microsoft.com/office/powerpoint/2010/main" xmlns="" val="890299385"/>
+        <p14:creationId xmlns="" xmlns:p14="http://schemas.microsoft.com/office/powerpoint/2010/main" val="890299385"/>
       </p:ext>
     </p:extLst>
   </p:cSld>
@@ -1795,7 +1795,7 @@
             <a:fld id="{7FCC5AE5-E495-4913-B643-A95A6AFABB00}" type="datetimeFigureOut">
               <a:rPr kumimoji="1" lang="ja-JP" altLang="en-US" smtClean="0"/>
               <a:pPr/>
-              <a:t>2022/8/21</a:t>
+              <a:t>2022/8/30</a:t>
             </a:fld>
             <a:endParaRPr kumimoji="1" lang="ja-JP" altLang="en-US"/>
           </a:p>
@@ -1847,7 +1847,7 @@
     </p:spTree>
     <p:extLst>
       <p:ext uri="{BB962C8B-B14F-4D97-AF65-F5344CB8AC3E}">
-        <p14:creationId xmlns:p14="http://schemas.microsoft.com/office/powerpoint/2010/main" xmlns="" val="2049573599"/>
+        <p14:creationId xmlns="" xmlns:p14="http://schemas.microsoft.com/office/powerpoint/2010/main" val="2049573599"/>
       </p:ext>
     </p:extLst>
   </p:cSld>
@@ -1892,7 +1892,7 @@
             <a:fld id="{7FCC5AE5-E495-4913-B643-A95A6AFABB00}" type="datetimeFigureOut">
               <a:rPr kumimoji="1" lang="ja-JP" altLang="en-US" smtClean="0"/>
               <a:pPr/>
-              <a:t>2022/8/21</a:t>
+              <a:t>2022/8/30</a:t>
             </a:fld>
             <a:endParaRPr kumimoji="1" lang="ja-JP" altLang="en-US"/>
           </a:p>
@@ -1944,7 +1944,7 @@
     </p:spTree>
     <p:extLst>
       <p:ext uri="{BB962C8B-B14F-4D97-AF65-F5344CB8AC3E}">
-        <p14:creationId xmlns:p14="http://schemas.microsoft.com/office/powerpoint/2010/main" xmlns="" val="1896888541"/>
+        <p14:creationId xmlns="" xmlns:p14="http://schemas.microsoft.com/office/powerpoint/2010/main" val="1896888541"/>
       </p:ext>
     </p:extLst>
   </p:cSld>
@@ -2171,7 +2171,7 @@
             <a:fld id="{7FCC5AE5-E495-4913-B643-A95A6AFABB00}" type="datetimeFigureOut">
               <a:rPr kumimoji="1" lang="ja-JP" altLang="en-US" smtClean="0"/>
               <a:pPr/>
-              <a:t>2022/8/21</a:t>
+              <a:t>2022/8/30</a:t>
             </a:fld>
             <a:endParaRPr kumimoji="1" lang="ja-JP" altLang="en-US"/>
           </a:p>
@@ -2223,7 +2223,7 @@
     </p:spTree>
     <p:extLst>
       <p:ext uri="{BB962C8B-B14F-4D97-AF65-F5344CB8AC3E}">
-        <p14:creationId xmlns:p14="http://schemas.microsoft.com/office/powerpoint/2010/main" xmlns="" val="1581260034"/>
+        <p14:creationId xmlns="" xmlns:p14="http://schemas.microsoft.com/office/powerpoint/2010/main" val="1581260034"/>
       </p:ext>
     </p:extLst>
   </p:cSld>
@@ -2430,7 +2430,7 @@
             <a:fld id="{7FCC5AE5-E495-4913-B643-A95A6AFABB00}" type="datetimeFigureOut">
               <a:rPr kumimoji="1" lang="ja-JP" altLang="en-US" smtClean="0"/>
               <a:pPr/>
-              <a:t>2022/8/21</a:t>
+              <a:t>2022/8/30</a:t>
             </a:fld>
             <a:endParaRPr kumimoji="1" lang="ja-JP" altLang="en-US"/>
           </a:p>
@@ -2482,7 +2482,7 @@
     </p:spTree>
     <p:extLst>
       <p:ext uri="{BB962C8B-B14F-4D97-AF65-F5344CB8AC3E}">
-        <p14:creationId xmlns:p14="http://schemas.microsoft.com/office/powerpoint/2010/main" xmlns="" val="2397771766"/>
+        <p14:creationId xmlns="" xmlns:p14="http://schemas.microsoft.com/office/powerpoint/2010/main" val="2397771766"/>
       </p:ext>
     </p:extLst>
   </p:cSld>
@@ -2645,7 +2645,7 @@
             <a:fld id="{7FCC5AE5-E495-4913-B643-A95A6AFABB00}" type="datetimeFigureOut">
               <a:rPr kumimoji="1" lang="ja-JP" altLang="en-US" smtClean="0"/>
               <a:pPr/>
-              <a:t>2022/8/21</a:t>
+              <a:t>2022/8/30</a:t>
             </a:fld>
             <a:endParaRPr kumimoji="1" lang="ja-JP" altLang="en-US"/>
           </a:p>
@@ -2735,7 +2735,7 @@
           <p:cNvPr id="7" name="TextBox 6">
             <a:extLst>
               <a:ext uri="{FF2B5EF4-FFF2-40B4-BE49-F238E27FC236}">
-                <a16:creationId xmlns:a16="http://schemas.microsoft.com/office/drawing/2014/main" xmlns="" id="{847969B0-9AAB-4EBF-AF99-17A470D83F03}"/>
+                <a16:creationId xmlns="" xmlns:a16="http://schemas.microsoft.com/office/drawing/2014/main" id="{847969B0-9AAB-4EBF-AF99-17A470D83F03}"/>
               </a:ext>
             </a:extLst>
           </p:cNvPr>
@@ -2782,7 +2782,7 @@
     </p:spTree>
     <p:extLst>
       <p:ext uri="{BB962C8B-B14F-4D97-AF65-F5344CB8AC3E}">
-        <p14:creationId xmlns:p14="http://schemas.microsoft.com/office/powerpoint/2010/main" xmlns="" val="492407304"/>
+        <p14:creationId xmlns="" xmlns:p14="http://schemas.microsoft.com/office/powerpoint/2010/main" val="492407304"/>
       </p:ext>
     </p:extLst>
   </p:cSld>
@@ -3112,7 +3112,7 @@
           <a:blip r:embed="rId2">
             <a:extLst>
               <a:ext uri="{28A0092B-C50C-407E-A947-70E740481C1C}">
-                <a14:useLocalDpi xmlns:a14="http://schemas.microsoft.com/office/drawing/2010/main" xmlns="" val="0"/>
+                <a14:useLocalDpi xmlns="" xmlns:a14="http://schemas.microsoft.com/office/drawing/2010/main" val="0"/>
               </a:ext>
             </a:extLst>
           </a:blip>
@@ -3253,7 +3253,7 @@
     </p:spTree>
     <p:extLst>
       <p:ext uri="{BB962C8B-B14F-4D97-AF65-F5344CB8AC3E}">
-        <p14:creationId xmlns:p14="http://schemas.microsoft.com/office/powerpoint/2010/main" xmlns="" val="4062787881"/>
+        <p14:creationId xmlns="" xmlns:p14="http://schemas.microsoft.com/office/powerpoint/2010/main" val="4062787881"/>
       </p:ext>
     </p:extLst>
   </p:cSld>
@@ -3299,7 +3299,7 @@
           <a:blip r:embed="rId2">
             <a:extLst>
               <a:ext uri="{28A0092B-C50C-407E-A947-70E740481C1C}">
-                <a14:useLocalDpi xmlns:a14="http://schemas.microsoft.com/office/drawing/2010/main" xmlns="" val="0"/>
+                <a14:useLocalDpi xmlns="" xmlns:a14="http://schemas.microsoft.com/office/drawing/2010/main" val="0"/>
               </a:ext>
             </a:extLst>
           </a:blip>
@@ -3720,7 +3720,7 @@
           <p:cNvPr id="11" name="Rectangle 10">
             <a:extLst>
               <a:ext uri="{FF2B5EF4-FFF2-40B4-BE49-F238E27FC236}">
-                <a16:creationId xmlns:a16="http://schemas.microsoft.com/office/drawing/2014/main" xmlns="" id="{206016ED-72BE-418C-807D-52DC06FF490C}"/>
+                <a16:creationId xmlns="" xmlns:a16="http://schemas.microsoft.com/office/drawing/2014/main" id="{206016ED-72BE-418C-807D-52DC06FF490C}"/>
               </a:ext>
             </a:extLst>
           </p:cNvPr>
@@ -3855,7 +3855,7 @@
           <p:cNvPr id="12" name="Rectangle 11">
             <a:extLst>
               <a:ext uri="{FF2B5EF4-FFF2-40B4-BE49-F238E27FC236}">
-                <a16:creationId xmlns:a16="http://schemas.microsoft.com/office/drawing/2014/main" xmlns="" id="{206016ED-72BE-418C-807D-52DC06FF490C}"/>
+                <a16:creationId xmlns="" xmlns:a16="http://schemas.microsoft.com/office/drawing/2014/main" id="{206016ED-72BE-418C-807D-52DC06FF490C}"/>
               </a:ext>
             </a:extLst>
           </p:cNvPr>
@@ -4188,7 +4188,7 @@
           <p:cNvPr id="10" name="Rectangle 9">
             <a:extLst>
               <a:ext uri="{FF2B5EF4-FFF2-40B4-BE49-F238E27FC236}">
-                <a16:creationId xmlns:a16="http://schemas.microsoft.com/office/drawing/2014/main" xmlns="" id="{206016ED-72BE-418C-807D-52DC06FF490C}"/>
+                <a16:creationId xmlns="" xmlns:a16="http://schemas.microsoft.com/office/drawing/2014/main" id="{206016ED-72BE-418C-807D-52DC06FF490C}"/>
               </a:ext>
             </a:extLst>
           </p:cNvPr>
@@ -4361,7 +4361,7 @@
     </p:spTree>
     <p:extLst>
       <p:ext uri="{BB962C8B-B14F-4D97-AF65-F5344CB8AC3E}">
-        <p14:creationId xmlns:p14="http://schemas.microsoft.com/office/powerpoint/2010/main" xmlns="" val="2848728424"/>
+        <p14:creationId xmlns="" xmlns:p14="http://schemas.microsoft.com/office/powerpoint/2010/main" val="2848728424"/>
       </p:ext>
     </p:extLst>
   </p:cSld>
@@ -4590,7 +4590,7 @@
           <a:blip r:embed="rId2">
             <a:extLst>
               <a:ext uri="{28A0092B-C50C-407E-A947-70E740481C1C}">
-                <a14:useLocalDpi xmlns:a14="http://schemas.microsoft.com/office/drawing/2010/main" xmlns="" val="0"/>
+                <a14:useLocalDpi xmlns="" xmlns:a14="http://schemas.microsoft.com/office/drawing/2010/main" val="0"/>
               </a:ext>
             </a:extLst>
           </a:blip>
@@ -4900,7 +4900,7 @@
     </p:spTree>
     <p:extLst>
       <p:ext uri="{BB962C8B-B14F-4D97-AF65-F5344CB8AC3E}">
-        <p14:creationId xmlns:p14="http://schemas.microsoft.com/office/powerpoint/2010/main" xmlns="" val="2848728424"/>
+        <p14:creationId xmlns="" xmlns:p14="http://schemas.microsoft.com/office/powerpoint/2010/main" val="2848728424"/>
       </p:ext>
     </p:extLst>
   </p:cSld>
@@ -5099,7 +5099,7 @@
           <a:blip r:embed="rId2">
             <a:extLst>
               <a:ext uri="{28A0092B-C50C-407E-A947-70E740481C1C}">
-                <a14:useLocalDpi xmlns:a14="http://schemas.microsoft.com/office/drawing/2010/main" xmlns="" val="0"/>
+                <a14:useLocalDpi xmlns="" xmlns:a14="http://schemas.microsoft.com/office/drawing/2010/main" val="0"/>
               </a:ext>
             </a:extLst>
           </a:blip>
@@ -5411,7 +5411,7 @@
           <p:cNvPr id="15" name="Rectangle 14">
             <a:extLst>
               <a:ext uri="{FF2B5EF4-FFF2-40B4-BE49-F238E27FC236}">
-                <a16:creationId xmlns:a16="http://schemas.microsoft.com/office/drawing/2014/main" xmlns="" id="{206016ED-72BE-418C-807D-52DC06FF490C}"/>
+                <a16:creationId xmlns="" xmlns:a16="http://schemas.microsoft.com/office/drawing/2014/main" id="{206016ED-72BE-418C-807D-52DC06FF490C}"/>
               </a:ext>
             </a:extLst>
           </p:cNvPr>
@@ -5577,7 +5577,7 @@
           <p:cNvPr id="16" name="Rectangle 15">
             <a:extLst>
               <a:ext uri="{FF2B5EF4-FFF2-40B4-BE49-F238E27FC236}">
-                <a16:creationId xmlns:a16="http://schemas.microsoft.com/office/drawing/2014/main" xmlns="" id="{206016ED-72BE-418C-807D-52DC06FF490C}"/>
+                <a16:creationId xmlns="" xmlns:a16="http://schemas.microsoft.com/office/drawing/2014/main" id="{206016ED-72BE-418C-807D-52DC06FF490C}"/>
               </a:ext>
             </a:extLst>
           </p:cNvPr>
@@ -5887,7 +5887,7 @@
     </p:spTree>
     <p:extLst>
       <p:ext uri="{BB962C8B-B14F-4D97-AF65-F5344CB8AC3E}">
-        <p14:creationId xmlns:p14="http://schemas.microsoft.com/office/powerpoint/2010/main" xmlns="" val="2848728424"/>
+        <p14:creationId xmlns="" xmlns:p14="http://schemas.microsoft.com/office/powerpoint/2010/main" val="2848728424"/>
       </p:ext>
     </p:extLst>
   </p:cSld>
@@ -6144,7 +6144,7 @@
           <a:blip r:embed="rId2">
             <a:extLst>
               <a:ext uri="{28A0092B-C50C-407E-A947-70E740481C1C}">
-                <a14:useLocalDpi xmlns:a14="http://schemas.microsoft.com/office/drawing/2010/main" xmlns="" val="0"/>
+                <a14:useLocalDpi xmlns="" xmlns:a14="http://schemas.microsoft.com/office/drawing/2010/main" val="0"/>
               </a:ext>
             </a:extLst>
           </a:blip>
@@ -6456,7 +6456,7 @@
           <p:cNvPr id="13" name="Rectangle 12">
             <a:extLst>
               <a:ext uri="{FF2B5EF4-FFF2-40B4-BE49-F238E27FC236}">
-                <a16:creationId xmlns:a16="http://schemas.microsoft.com/office/drawing/2014/main" xmlns="" id="{206016ED-72BE-418C-807D-52DC06FF490C}"/>
+                <a16:creationId xmlns="" xmlns:a16="http://schemas.microsoft.com/office/drawing/2014/main" id="{206016ED-72BE-418C-807D-52DC06FF490C}"/>
               </a:ext>
             </a:extLst>
           </p:cNvPr>
@@ -6546,7 +6546,7 @@
           <p:cNvPr id="10" name="Rectangle 9">
             <a:extLst>
               <a:ext uri="{FF2B5EF4-FFF2-40B4-BE49-F238E27FC236}">
-                <a16:creationId xmlns:a16="http://schemas.microsoft.com/office/drawing/2014/main" xmlns="" id="{206016ED-72BE-418C-807D-52DC06FF490C}"/>
+                <a16:creationId xmlns="" xmlns:a16="http://schemas.microsoft.com/office/drawing/2014/main" id="{206016ED-72BE-418C-807D-52DC06FF490C}"/>
               </a:ext>
             </a:extLst>
           </p:cNvPr>
@@ -6636,7 +6636,7 @@
           <p:cNvPr id="11" name="Rectangle 10">
             <a:extLst>
               <a:ext uri="{FF2B5EF4-FFF2-40B4-BE49-F238E27FC236}">
-                <a16:creationId xmlns:a16="http://schemas.microsoft.com/office/drawing/2014/main" xmlns="" id="{206016ED-72BE-418C-807D-52DC06FF490C}"/>
+                <a16:creationId xmlns="" xmlns:a16="http://schemas.microsoft.com/office/drawing/2014/main" id="{206016ED-72BE-418C-807D-52DC06FF490C}"/>
               </a:ext>
             </a:extLst>
           </p:cNvPr>
@@ -6726,7 +6726,7 @@
           <p:cNvPr id="15" name="Rectangle 14">
             <a:extLst>
               <a:ext uri="{FF2B5EF4-FFF2-40B4-BE49-F238E27FC236}">
-                <a16:creationId xmlns:a16="http://schemas.microsoft.com/office/drawing/2014/main" xmlns="" id="{206016ED-72BE-418C-807D-52DC06FF490C}"/>
+                <a16:creationId xmlns="" xmlns:a16="http://schemas.microsoft.com/office/drawing/2014/main" id="{206016ED-72BE-418C-807D-52DC06FF490C}"/>
               </a:ext>
             </a:extLst>
           </p:cNvPr>
@@ -6891,7 +6891,7 @@
           <p:cNvPr id="16" name="Rectangle 15">
             <a:extLst>
               <a:ext uri="{FF2B5EF4-FFF2-40B4-BE49-F238E27FC236}">
-                <a16:creationId xmlns:a16="http://schemas.microsoft.com/office/drawing/2014/main" xmlns="" id="{206016ED-72BE-418C-807D-52DC06FF490C}"/>
+                <a16:creationId xmlns="" xmlns:a16="http://schemas.microsoft.com/office/drawing/2014/main" id="{206016ED-72BE-418C-807D-52DC06FF490C}"/>
               </a:ext>
             </a:extLst>
           </p:cNvPr>
@@ -6981,7 +6981,7 @@
           <p:cNvPr id="17" name="Rectangle 16">
             <a:extLst>
               <a:ext uri="{FF2B5EF4-FFF2-40B4-BE49-F238E27FC236}">
-                <a16:creationId xmlns:a16="http://schemas.microsoft.com/office/drawing/2014/main" xmlns="" id="{206016ED-72BE-418C-807D-52DC06FF490C}"/>
+                <a16:creationId xmlns="" xmlns:a16="http://schemas.microsoft.com/office/drawing/2014/main" id="{206016ED-72BE-418C-807D-52DC06FF490C}"/>
               </a:ext>
             </a:extLst>
           </p:cNvPr>
@@ -7069,7 +7069,7 @@
     </p:spTree>
     <p:extLst>
       <p:ext uri="{BB962C8B-B14F-4D97-AF65-F5344CB8AC3E}">
-        <p14:creationId xmlns:p14="http://schemas.microsoft.com/office/powerpoint/2010/main" xmlns="" val="2848728424"/>
+        <p14:creationId xmlns="" xmlns:p14="http://schemas.microsoft.com/office/powerpoint/2010/main" val="2848728424"/>
       </p:ext>
     </p:extLst>
   </p:cSld>
@@ -7278,7 +7278,7 @@
           <a:blip r:embed="rId2">
             <a:extLst>
               <a:ext uri="{28A0092B-C50C-407E-A947-70E740481C1C}">
-                <a14:useLocalDpi xmlns:a14="http://schemas.microsoft.com/office/drawing/2010/main" xmlns="" val="0"/>
+                <a14:useLocalDpi xmlns="" xmlns:a14="http://schemas.microsoft.com/office/drawing/2010/main" val="0"/>
               </a:ext>
             </a:extLst>
           </a:blip>
@@ -7590,7 +7590,7 @@
           <p:cNvPr id="15" name="Rectangle 14">
             <a:extLst>
               <a:ext uri="{FF2B5EF4-FFF2-40B4-BE49-F238E27FC236}">
-                <a16:creationId xmlns:a16="http://schemas.microsoft.com/office/drawing/2014/main" xmlns="" id="{206016ED-72BE-418C-807D-52DC06FF490C}"/>
+                <a16:creationId xmlns="" xmlns:a16="http://schemas.microsoft.com/office/drawing/2014/main" id="{206016ED-72BE-418C-807D-52DC06FF490C}"/>
               </a:ext>
             </a:extLst>
           </p:cNvPr>
@@ -7755,7 +7755,7 @@
           <p:cNvPr id="16" name="Rectangle 15">
             <a:extLst>
               <a:ext uri="{FF2B5EF4-FFF2-40B4-BE49-F238E27FC236}">
-                <a16:creationId xmlns:a16="http://schemas.microsoft.com/office/drawing/2014/main" xmlns="" id="{206016ED-72BE-418C-807D-52DC06FF490C}"/>
+                <a16:creationId xmlns="" xmlns:a16="http://schemas.microsoft.com/office/drawing/2014/main" id="{206016ED-72BE-418C-807D-52DC06FF490C}"/>
               </a:ext>
             </a:extLst>
           </p:cNvPr>
@@ -7863,7 +7863,7 @@
     </p:spTree>
     <p:extLst>
       <p:ext uri="{BB962C8B-B14F-4D97-AF65-F5344CB8AC3E}">
-        <p14:creationId xmlns:p14="http://schemas.microsoft.com/office/powerpoint/2010/main" xmlns="" val="2848728424"/>
+        <p14:creationId xmlns="" xmlns:p14="http://schemas.microsoft.com/office/powerpoint/2010/main" val="2848728424"/>
       </p:ext>
     </p:extLst>
   </p:cSld>
@@ -8085,7 +8085,7 @@
           <a:blip r:embed="rId2">
             <a:extLst>
               <a:ext uri="{28A0092B-C50C-407E-A947-70E740481C1C}">
-                <a14:useLocalDpi xmlns:a14="http://schemas.microsoft.com/office/drawing/2010/main" xmlns="" val="0"/>
+                <a14:useLocalDpi xmlns="" xmlns:a14="http://schemas.microsoft.com/office/drawing/2010/main" val="0"/>
               </a:ext>
             </a:extLst>
           </a:blip>
@@ -8397,7 +8397,7 @@
           <p:cNvPr id="15" name="Rectangle 14">
             <a:extLst>
               <a:ext uri="{FF2B5EF4-FFF2-40B4-BE49-F238E27FC236}">
-                <a16:creationId xmlns:a16="http://schemas.microsoft.com/office/drawing/2014/main" xmlns="" id="{206016ED-72BE-418C-807D-52DC06FF490C}"/>
+                <a16:creationId xmlns="" xmlns:a16="http://schemas.microsoft.com/office/drawing/2014/main" id="{206016ED-72BE-418C-807D-52DC06FF490C}"/>
               </a:ext>
             </a:extLst>
           </p:cNvPr>
@@ -8562,7 +8562,7 @@
           <p:cNvPr id="16" name="Rectangle 15">
             <a:extLst>
               <a:ext uri="{FF2B5EF4-FFF2-40B4-BE49-F238E27FC236}">
-                <a16:creationId xmlns:a16="http://schemas.microsoft.com/office/drawing/2014/main" xmlns="" id="{206016ED-72BE-418C-807D-52DC06FF490C}"/>
+                <a16:creationId xmlns="" xmlns:a16="http://schemas.microsoft.com/office/drawing/2014/main" id="{206016ED-72BE-418C-807D-52DC06FF490C}"/>
               </a:ext>
             </a:extLst>
           </p:cNvPr>
@@ -8652,7 +8652,7 @@
           <p:cNvPr id="17" name="Rectangle 16">
             <a:extLst>
               <a:ext uri="{FF2B5EF4-FFF2-40B4-BE49-F238E27FC236}">
-                <a16:creationId xmlns:a16="http://schemas.microsoft.com/office/drawing/2014/main" xmlns="" id="{206016ED-72BE-418C-807D-52DC06FF490C}"/>
+                <a16:creationId xmlns="" xmlns:a16="http://schemas.microsoft.com/office/drawing/2014/main" id="{206016ED-72BE-418C-807D-52DC06FF490C}"/>
               </a:ext>
             </a:extLst>
           </p:cNvPr>
@@ -8800,7 +8800,7 @@
     </p:spTree>
     <p:extLst>
       <p:ext uri="{BB962C8B-B14F-4D97-AF65-F5344CB8AC3E}">
-        <p14:creationId xmlns:p14="http://schemas.microsoft.com/office/powerpoint/2010/main" xmlns="" val="2848728424"/>
+        <p14:creationId xmlns="" xmlns:p14="http://schemas.microsoft.com/office/powerpoint/2010/main" val="2848728424"/>
       </p:ext>
     </p:extLst>
   </p:cSld>
@@ -9040,7 +9040,7 @@
           <a:blip r:embed="rId2">
             <a:extLst>
               <a:ext uri="{28A0092B-C50C-407E-A947-70E740481C1C}">
-                <a14:useLocalDpi xmlns:a14="http://schemas.microsoft.com/office/drawing/2010/main" xmlns="" val="0"/>
+                <a14:useLocalDpi xmlns="" xmlns:a14="http://schemas.microsoft.com/office/drawing/2010/main" val="0"/>
               </a:ext>
             </a:extLst>
           </a:blip>
@@ -9352,7 +9352,7 @@
           <p:cNvPr id="15" name="Rectangle 14">
             <a:extLst>
               <a:ext uri="{FF2B5EF4-FFF2-40B4-BE49-F238E27FC236}">
-                <a16:creationId xmlns:a16="http://schemas.microsoft.com/office/drawing/2014/main" xmlns="" id="{206016ED-72BE-418C-807D-52DC06FF490C}"/>
+                <a16:creationId xmlns="" xmlns:a16="http://schemas.microsoft.com/office/drawing/2014/main" id="{206016ED-72BE-418C-807D-52DC06FF490C}"/>
               </a:ext>
             </a:extLst>
           </p:cNvPr>
@@ -9474,7 +9474,7 @@
           <p:cNvPr id="16" name="Rectangle 15">
             <a:extLst>
               <a:ext uri="{FF2B5EF4-FFF2-40B4-BE49-F238E27FC236}">
-                <a16:creationId xmlns:a16="http://schemas.microsoft.com/office/drawing/2014/main" xmlns="" id="{206016ED-72BE-418C-807D-52DC06FF490C}"/>
+                <a16:creationId xmlns="" xmlns:a16="http://schemas.microsoft.com/office/drawing/2014/main" id="{206016ED-72BE-418C-807D-52DC06FF490C}"/>
               </a:ext>
             </a:extLst>
           </p:cNvPr>
@@ -9653,7 +9653,7 @@
           <p:cNvPr id="10" name="Rectangle 9">
             <a:extLst>
               <a:ext uri="{FF2B5EF4-FFF2-40B4-BE49-F238E27FC236}">
-                <a16:creationId xmlns:a16="http://schemas.microsoft.com/office/drawing/2014/main" xmlns="" id="{206016ED-72BE-418C-807D-52DC06FF490C}"/>
+                <a16:creationId xmlns="" xmlns:a16="http://schemas.microsoft.com/office/drawing/2014/main" id="{206016ED-72BE-418C-807D-52DC06FF490C}"/>
               </a:ext>
             </a:extLst>
           </p:cNvPr>
@@ -9759,7 +9759,7 @@
           <p:cNvPr id="12" name="Rectangle 11">
             <a:extLst>
               <a:ext uri="{FF2B5EF4-FFF2-40B4-BE49-F238E27FC236}">
-                <a16:creationId xmlns:a16="http://schemas.microsoft.com/office/drawing/2014/main" xmlns="" id="{206016ED-72BE-418C-807D-52DC06FF490C}"/>
+                <a16:creationId xmlns="" xmlns:a16="http://schemas.microsoft.com/office/drawing/2014/main" id="{206016ED-72BE-418C-807D-52DC06FF490C}"/>
               </a:ext>
             </a:extLst>
           </p:cNvPr>
@@ -9895,7 +9895,7 @@
     </p:spTree>
     <p:extLst>
       <p:ext uri="{BB962C8B-B14F-4D97-AF65-F5344CB8AC3E}">
-        <p14:creationId xmlns:p14="http://schemas.microsoft.com/office/powerpoint/2010/main" xmlns="" val="2848728424"/>
+        <p14:creationId xmlns="" xmlns:p14="http://schemas.microsoft.com/office/powerpoint/2010/main" val="2848728424"/>
       </p:ext>
     </p:extLst>
   </p:cSld>
@@ -10142,7 +10142,7 @@
           <a:blip r:embed="rId2">
             <a:extLst>
               <a:ext uri="{28A0092B-C50C-407E-A947-70E740481C1C}">
-                <a14:useLocalDpi xmlns:a14="http://schemas.microsoft.com/office/drawing/2010/main" xmlns="" val="0"/>
+                <a14:useLocalDpi xmlns="" xmlns:a14="http://schemas.microsoft.com/office/drawing/2010/main" val="0"/>
               </a:ext>
             </a:extLst>
           </a:blip>
@@ -10454,7 +10454,7 @@
           <p:cNvPr id="15" name="Rectangle 14">
             <a:extLst>
               <a:ext uri="{FF2B5EF4-FFF2-40B4-BE49-F238E27FC236}">
-                <a16:creationId xmlns:a16="http://schemas.microsoft.com/office/drawing/2014/main" xmlns="" id="{206016ED-72BE-418C-807D-52DC06FF490C}"/>
+                <a16:creationId xmlns="" xmlns:a16="http://schemas.microsoft.com/office/drawing/2014/main" id="{206016ED-72BE-418C-807D-52DC06FF490C}"/>
               </a:ext>
             </a:extLst>
           </p:cNvPr>
@@ -10560,7 +10560,7 @@
           <p:cNvPr id="16" name="Rectangle 15">
             <a:extLst>
               <a:ext uri="{FF2B5EF4-FFF2-40B4-BE49-F238E27FC236}">
-                <a16:creationId xmlns:a16="http://schemas.microsoft.com/office/drawing/2014/main" xmlns="" id="{206016ED-72BE-418C-807D-52DC06FF490C}"/>
+                <a16:creationId xmlns="" xmlns:a16="http://schemas.microsoft.com/office/drawing/2014/main" id="{206016ED-72BE-418C-807D-52DC06FF490C}"/>
               </a:ext>
             </a:extLst>
           </p:cNvPr>
@@ -10666,7 +10666,7 @@
           <p:cNvPr id="10" name="Rectangle 9">
             <a:extLst>
               <a:ext uri="{FF2B5EF4-FFF2-40B4-BE49-F238E27FC236}">
-                <a16:creationId xmlns:a16="http://schemas.microsoft.com/office/drawing/2014/main" xmlns="" id="{206016ED-72BE-418C-807D-52DC06FF490C}"/>
+                <a16:creationId xmlns="" xmlns:a16="http://schemas.microsoft.com/office/drawing/2014/main" id="{206016ED-72BE-418C-807D-52DC06FF490C}"/>
               </a:ext>
             </a:extLst>
           </p:cNvPr>
@@ -10756,7 +10756,7 @@
           <p:cNvPr id="11" name="Rectangle 10">
             <a:extLst>
               <a:ext uri="{FF2B5EF4-FFF2-40B4-BE49-F238E27FC236}">
-                <a16:creationId xmlns:a16="http://schemas.microsoft.com/office/drawing/2014/main" xmlns="" id="{206016ED-72BE-418C-807D-52DC06FF490C}"/>
+                <a16:creationId xmlns="" xmlns:a16="http://schemas.microsoft.com/office/drawing/2014/main" id="{206016ED-72BE-418C-807D-52DC06FF490C}"/>
               </a:ext>
             </a:extLst>
           </p:cNvPr>
@@ -10890,7 +10890,7 @@
     </p:spTree>
     <p:extLst>
       <p:ext uri="{BB962C8B-B14F-4D97-AF65-F5344CB8AC3E}">
-        <p14:creationId xmlns:p14="http://schemas.microsoft.com/office/powerpoint/2010/main" xmlns="" val="2848728424"/>
+        <p14:creationId xmlns="" xmlns:p14="http://schemas.microsoft.com/office/powerpoint/2010/main" val="2848728424"/>
       </p:ext>
     </p:extLst>
   </p:cSld>
@@ -11078,7 +11078,7 @@
           <a:blip r:embed="rId2">
             <a:extLst>
               <a:ext uri="{28A0092B-C50C-407E-A947-70E740481C1C}">
-                <a14:useLocalDpi xmlns:a14="http://schemas.microsoft.com/office/drawing/2010/main" xmlns="" val="0"/>
+                <a14:useLocalDpi xmlns="" xmlns:a14="http://schemas.microsoft.com/office/drawing/2010/main" val="0"/>
               </a:ext>
             </a:extLst>
           </a:blip>
@@ -11390,7 +11390,7 @@
           <p:cNvPr id="15" name="Rectangle 14">
             <a:extLst>
               <a:ext uri="{FF2B5EF4-FFF2-40B4-BE49-F238E27FC236}">
-                <a16:creationId xmlns:a16="http://schemas.microsoft.com/office/drawing/2014/main" xmlns="" id="{206016ED-72BE-418C-807D-52DC06FF490C}"/>
+                <a16:creationId xmlns="" xmlns:a16="http://schemas.microsoft.com/office/drawing/2014/main" id="{206016ED-72BE-418C-807D-52DC06FF490C}"/>
               </a:ext>
             </a:extLst>
           </p:cNvPr>
@@ -11496,7 +11496,7 @@
           <p:cNvPr id="10" name="Rectangle 9">
             <a:extLst>
               <a:ext uri="{FF2B5EF4-FFF2-40B4-BE49-F238E27FC236}">
-                <a16:creationId xmlns:a16="http://schemas.microsoft.com/office/drawing/2014/main" xmlns="" id="{206016ED-72BE-418C-807D-52DC06FF490C}"/>
+                <a16:creationId xmlns="" xmlns:a16="http://schemas.microsoft.com/office/drawing/2014/main" id="{206016ED-72BE-418C-807D-52DC06FF490C}"/>
               </a:ext>
             </a:extLst>
           </p:cNvPr>
@@ -11586,7 +11586,7 @@
           <p:cNvPr id="11" name="Rectangle 10">
             <a:extLst>
               <a:ext uri="{FF2B5EF4-FFF2-40B4-BE49-F238E27FC236}">
-                <a16:creationId xmlns:a16="http://schemas.microsoft.com/office/drawing/2014/main" xmlns="" id="{206016ED-72BE-418C-807D-52DC06FF490C}"/>
+                <a16:creationId xmlns="" xmlns:a16="http://schemas.microsoft.com/office/drawing/2014/main" id="{206016ED-72BE-418C-807D-52DC06FF490C}"/>
               </a:ext>
             </a:extLst>
           </p:cNvPr>
@@ -11676,7 +11676,7 @@
           <p:cNvPr id="13" name="Rectangle 12">
             <a:extLst>
               <a:ext uri="{FF2B5EF4-FFF2-40B4-BE49-F238E27FC236}">
-                <a16:creationId xmlns:a16="http://schemas.microsoft.com/office/drawing/2014/main" xmlns="" id="{206016ED-72BE-418C-807D-52DC06FF490C}"/>
+                <a16:creationId xmlns="" xmlns:a16="http://schemas.microsoft.com/office/drawing/2014/main" id="{206016ED-72BE-418C-807D-52DC06FF490C}"/>
               </a:ext>
             </a:extLst>
           </p:cNvPr>
@@ -11764,7 +11764,7 @@
     </p:spTree>
     <p:extLst>
       <p:ext uri="{BB962C8B-B14F-4D97-AF65-F5344CB8AC3E}">
-        <p14:creationId xmlns:p14="http://schemas.microsoft.com/office/powerpoint/2010/main" xmlns="" val="2848728424"/>
+        <p14:creationId xmlns="" xmlns:p14="http://schemas.microsoft.com/office/powerpoint/2010/main" val="2848728424"/>
       </p:ext>
     </p:extLst>
   </p:cSld>
@@ -11866,7 +11866,7 @@
           <a:blip r:embed="rId2">
             <a:extLst>
               <a:ext uri="{28A0092B-C50C-407E-A947-70E740481C1C}">
-                <a14:useLocalDpi xmlns:a14="http://schemas.microsoft.com/office/drawing/2010/main" xmlns="" val="0"/>
+                <a14:useLocalDpi xmlns="" xmlns:a14="http://schemas.microsoft.com/office/drawing/2010/main" val="0"/>
               </a:ext>
             </a:extLst>
           </a:blip>
@@ -12209,7 +12209,7 @@
     </p:spTree>
     <p:extLst>
       <p:ext uri="{BB962C8B-B14F-4D97-AF65-F5344CB8AC3E}">
-        <p14:creationId xmlns:p14="http://schemas.microsoft.com/office/powerpoint/2010/main" xmlns="" val="2848728424"/>
+        <p14:creationId xmlns="" xmlns:p14="http://schemas.microsoft.com/office/powerpoint/2010/main" val="2848728424"/>
       </p:ext>
     </p:extLst>
   </p:cSld>
@@ -12255,7 +12255,7 @@
           <a:blip r:embed="rId2">
             <a:extLst>
               <a:ext uri="{28A0092B-C50C-407E-A947-70E740481C1C}">
-                <a14:useLocalDpi xmlns:a14="http://schemas.microsoft.com/office/drawing/2010/main" xmlns="" val="0"/>
+                <a14:useLocalDpi xmlns="" xmlns:a14="http://schemas.microsoft.com/office/drawing/2010/main" val="0"/>
               </a:ext>
             </a:extLst>
           </a:blip>
@@ -12693,7 +12693,7 @@
     </p:spTree>
     <p:extLst>
       <p:ext uri="{BB962C8B-B14F-4D97-AF65-F5344CB8AC3E}">
-        <p14:creationId xmlns:p14="http://schemas.microsoft.com/office/powerpoint/2010/main" xmlns="" val="1328577666"/>
+        <p14:creationId xmlns="" xmlns:p14="http://schemas.microsoft.com/office/powerpoint/2010/main" val="1328577666"/>
       </p:ext>
     </p:extLst>
   </p:cSld>
@@ -13172,7 +13172,7 @@
           <a:blip r:embed="rId2">
             <a:extLst>
               <a:ext uri="{28A0092B-C50C-407E-A947-70E740481C1C}">
-                <a14:useLocalDpi xmlns:a14="http://schemas.microsoft.com/office/drawing/2010/main" xmlns="" val="0"/>
+                <a14:useLocalDpi xmlns="" xmlns:a14="http://schemas.microsoft.com/office/drawing/2010/main" val="0"/>
               </a:ext>
             </a:extLst>
           </a:blip>
@@ -13484,7 +13484,7 @@
           <p:cNvPr id="15" name="Rectangle 14">
             <a:extLst>
               <a:ext uri="{FF2B5EF4-FFF2-40B4-BE49-F238E27FC236}">
-                <a16:creationId xmlns:a16="http://schemas.microsoft.com/office/drawing/2014/main" xmlns="" id="{206016ED-72BE-418C-807D-52DC06FF490C}"/>
+                <a16:creationId xmlns="" xmlns:a16="http://schemas.microsoft.com/office/drawing/2014/main" id="{206016ED-72BE-418C-807D-52DC06FF490C}"/>
               </a:ext>
             </a:extLst>
           </p:cNvPr>
@@ -13602,7 +13602,7 @@
           <p:cNvPr id="11" name="Rectangle 10">
             <a:extLst>
               <a:ext uri="{FF2B5EF4-FFF2-40B4-BE49-F238E27FC236}">
-                <a16:creationId xmlns:a16="http://schemas.microsoft.com/office/drawing/2014/main" xmlns="" id="{206016ED-72BE-418C-807D-52DC06FF490C}"/>
+                <a16:creationId xmlns="" xmlns:a16="http://schemas.microsoft.com/office/drawing/2014/main" id="{206016ED-72BE-418C-807D-52DC06FF490C}"/>
               </a:ext>
             </a:extLst>
           </p:cNvPr>
@@ -13829,7 +13829,7 @@
           <p:cNvPr id="17" name="Rectangle 16">
             <a:extLst>
               <a:ext uri="{FF2B5EF4-FFF2-40B4-BE49-F238E27FC236}">
-                <a16:creationId xmlns:a16="http://schemas.microsoft.com/office/drawing/2014/main" xmlns="" id="{206016ED-72BE-418C-807D-52DC06FF490C}"/>
+                <a16:creationId xmlns="" xmlns:a16="http://schemas.microsoft.com/office/drawing/2014/main" id="{206016ED-72BE-418C-807D-52DC06FF490C}"/>
               </a:ext>
             </a:extLst>
           </p:cNvPr>
@@ -14198,7 +14198,7 @@
     </p:spTree>
     <p:extLst>
       <p:ext uri="{BB962C8B-B14F-4D97-AF65-F5344CB8AC3E}">
-        <p14:creationId xmlns:p14="http://schemas.microsoft.com/office/powerpoint/2010/main" xmlns="" val="2848728424"/>
+        <p14:creationId xmlns="" xmlns:p14="http://schemas.microsoft.com/office/powerpoint/2010/main" val="2848728424"/>
       </p:ext>
     </p:extLst>
   </p:cSld>
@@ -14377,7 +14377,7 @@
           <a:blip r:embed="rId2">
             <a:extLst>
               <a:ext uri="{28A0092B-C50C-407E-A947-70E740481C1C}">
-                <a14:useLocalDpi xmlns:a14="http://schemas.microsoft.com/office/drawing/2010/main" xmlns="" val="0"/>
+                <a14:useLocalDpi xmlns="" xmlns:a14="http://schemas.microsoft.com/office/drawing/2010/main" val="0"/>
               </a:ext>
             </a:extLst>
           </a:blip>
@@ -14689,7 +14689,7 @@
           <p:cNvPr id="15" name="Rectangle 14">
             <a:extLst>
               <a:ext uri="{FF2B5EF4-FFF2-40B4-BE49-F238E27FC236}">
-                <a16:creationId xmlns:a16="http://schemas.microsoft.com/office/drawing/2014/main" xmlns="" id="{206016ED-72BE-418C-807D-52DC06FF490C}"/>
+                <a16:creationId xmlns="" xmlns:a16="http://schemas.microsoft.com/office/drawing/2014/main" id="{206016ED-72BE-418C-807D-52DC06FF490C}"/>
               </a:ext>
             </a:extLst>
           </p:cNvPr>
@@ -14979,7 +14979,7 @@
           <p:cNvPr id="21" name="Rectangle 20">
             <a:extLst>
               <a:ext uri="{FF2B5EF4-FFF2-40B4-BE49-F238E27FC236}">
-                <a16:creationId xmlns:a16="http://schemas.microsoft.com/office/drawing/2014/main" xmlns="" id="{206016ED-72BE-418C-807D-52DC06FF490C}"/>
+                <a16:creationId xmlns="" xmlns:a16="http://schemas.microsoft.com/office/drawing/2014/main" id="{206016ED-72BE-418C-807D-52DC06FF490C}"/>
               </a:ext>
             </a:extLst>
           </p:cNvPr>
@@ -15346,7 +15346,7 @@
     </p:spTree>
     <p:extLst>
       <p:ext uri="{BB962C8B-B14F-4D97-AF65-F5344CB8AC3E}">
-        <p14:creationId xmlns:p14="http://schemas.microsoft.com/office/powerpoint/2010/main" xmlns="" val="2848728424"/>
+        <p14:creationId xmlns="" xmlns:p14="http://schemas.microsoft.com/office/powerpoint/2010/main" val="2848728424"/>
       </p:ext>
     </p:extLst>
   </p:cSld>
@@ -15873,7 +15873,7 @@
           <a:blip r:embed="rId2">
             <a:extLst>
               <a:ext uri="{28A0092B-C50C-407E-A947-70E740481C1C}">
-                <a14:useLocalDpi xmlns:a14="http://schemas.microsoft.com/office/drawing/2010/main" xmlns="" val="0"/>
+                <a14:useLocalDpi xmlns="" xmlns:a14="http://schemas.microsoft.com/office/drawing/2010/main" val="0"/>
               </a:ext>
             </a:extLst>
           </a:blip>
@@ -16303,7 +16303,7 @@
     </p:spTree>
     <p:extLst>
       <p:ext uri="{BB962C8B-B14F-4D97-AF65-F5344CB8AC3E}">
-        <p14:creationId xmlns:p14="http://schemas.microsoft.com/office/powerpoint/2010/main" xmlns="" val="1328577666"/>
+        <p14:creationId xmlns="" xmlns:p14="http://schemas.microsoft.com/office/powerpoint/2010/main" val="1328577666"/>
       </p:ext>
     </p:extLst>
   </p:cSld>
@@ -17418,7 +17418,7 @@
           <a:blip r:embed="rId2">
             <a:extLst>
               <a:ext uri="{28A0092B-C50C-407E-A947-70E740481C1C}">
-                <a14:useLocalDpi xmlns:a14="http://schemas.microsoft.com/office/drawing/2010/main" xmlns="" val="0"/>
+                <a14:useLocalDpi xmlns="" xmlns:a14="http://schemas.microsoft.com/office/drawing/2010/main" val="0"/>
               </a:ext>
             </a:extLst>
           </a:blip>
@@ -17846,7 +17846,7 @@
     </p:spTree>
     <p:extLst>
       <p:ext uri="{BB962C8B-B14F-4D97-AF65-F5344CB8AC3E}">
-        <p14:creationId xmlns:p14="http://schemas.microsoft.com/office/powerpoint/2010/main" xmlns="" val="2848728424"/>
+        <p14:creationId xmlns="" xmlns:p14="http://schemas.microsoft.com/office/powerpoint/2010/main" val="2848728424"/>
       </p:ext>
     </p:extLst>
   </p:cSld>
@@ -18406,7 +18406,7 @@
           <a:blip r:embed="rId2">
             <a:extLst>
               <a:ext uri="{28A0092B-C50C-407E-A947-70E740481C1C}">
-                <a14:useLocalDpi xmlns:a14="http://schemas.microsoft.com/office/drawing/2010/main" xmlns="" val="0"/>
+                <a14:useLocalDpi xmlns="" xmlns:a14="http://schemas.microsoft.com/office/drawing/2010/main" val="0"/>
               </a:ext>
             </a:extLst>
           </a:blip>
@@ -18885,7 +18885,7 @@
           <p:cNvPr id="13" name="Rectangle 12">
             <a:extLst>
               <a:ext uri="{FF2B5EF4-FFF2-40B4-BE49-F238E27FC236}">
-                <a16:creationId xmlns:a16="http://schemas.microsoft.com/office/drawing/2014/main" xmlns="" id="{206016ED-72BE-418C-807D-52DC06FF490C}"/>
+                <a16:creationId xmlns="" xmlns:a16="http://schemas.microsoft.com/office/drawing/2014/main" id="{206016ED-72BE-418C-807D-52DC06FF490C}"/>
               </a:ext>
             </a:extLst>
           </p:cNvPr>
@@ -19141,7 +19141,7 @@
     </p:spTree>
     <p:extLst>
       <p:ext uri="{BB962C8B-B14F-4D97-AF65-F5344CB8AC3E}">
-        <p14:creationId xmlns:p14="http://schemas.microsoft.com/office/powerpoint/2010/main" xmlns="" val="2848728424"/>
+        <p14:creationId xmlns="" xmlns:p14="http://schemas.microsoft.com/office/powerpoint/2010/main" val="2848728424"/>
       </p:ext>
     </p:extLst>
   </p:cSld>
@@ -19187,7 +19187,7 @@
           <a:blip r:embed="rId2">
             <a:extLst>
               <a:ext uri="{28A0092B-C50C-407E-A947-70E740481C1C}">
-                <a14:useLocalDpi xmlns:a14="http://schemas.microsoft.com/office/drawing/2010/main" xmlns="" val="0"/>
+                <a14:useLocalDpi xmlns="" xmlns:a14="http://schemas.microsoft.com/office/drawing/2010/main" val="0"/>
               </a:ext>
             </a:extLst>
           </a:blip>
@@ -19534,7 +19534,7 @@
           <p:cNvPr id="13" name="Rectangle 12">
             <a:extLst>
               <a:ext uri="{FF2B5EF4-FFF2-40B4-BE49-F238E27FC236}">
-                <a16:creationId xmlns:a16="http://schemas.microsoft.com/office/drawing/2014/main" xmlns="" id="{206016ED-72BE-418C-807D-52DC06FF490C}"/>
+                <a16:creationId xmlns="" xmlns:a16="http://schemas.microsoft.com/office/drawing/2014/main" id="{206016ED-72BE-418C-807D-52DC06FF490C}"/>
               </a:ext>
             </a:extLst>
           </p:cNvPr>
@@ -19899,7 +19899,7 @@
     </p:spTree>
     <p:extLst>
       <p:ext uri="{BB962C8B-B14F-4D97-AF65-F5344CB8AC3E}">
-        <p14:creationId xmlns:p14="http://schemas.microsoft.com/office/powerpoint/2010/main" xmlns="" val="2848728424"/>
+        <p14:creationId xmlns="" xmlns:p14="http://schemas.microsoft.com/office/powerpoint/2010/main" val="2848728424"/>
       </p:ext>
     </p:extLst>
   </p:cSld>
@@ -19945,7 +19945,7 @@
           <a:blip r:embed="rId2">
             <a:extLst>
               <a:ext uri="{28A0092B-C50C-407E-A947-70E740481C1C}">
-                <a14:useLocalDpi xmlns:a14="http://schemas.microsoft.com/office/drawing/2010/main" xmlns="" val="0"/>
+                <a14:useLocalDpi xmlns="" xmlns:a14="http://schemas.microsoft.com/office/drawing/2010/main" val="0"/>
               </a:ext>
             </a:extLst>
           </a:blip>
@@ -20286,7 +20286,7 @@
           <p:cNvPr id="13" name="Rectangle 12">
             <a:extLst>
               <a:ext uri="{FF2B5EF4-FFF2-40B4-BE49-F238E27FC236}">
-                <a16:creationId xmlns:a16="http://schemas.microsoft.com/office/drawing/2014/main" xmlns="" id="{206016ED-72BE-418C-807D-52DC06FF490C}"/>
+                <a16:creationId xmlns="" xmlns:a16="http://schemas.microsoft.com/office/drawing/2014/main" id="{206016ED-72BE-418C-807D-52DC06FF490C}"/>
               </a:ext>
             </a:extLst>
           </p:cNvPr>
@@ -20573,7 +20573,7 @@
     </p:spTree>
     <p:extLst>
       <p:ext uri="{BB962C8B-B14F-4D97-AF65-F5344CB8AC3E}">
-        <p14:creationId xmlns:p14="http://schemas.microsoft.com/office/powerpoint/2010/main" xmlns="" val="2848728424"/>
+        <p14:creationId xmlns="" xmlns:p14="http://schemas.microsoft.com/office/powerpoint/2010/main" val="2848728424"/>
       </p:ext>
     </p:extLst>
   </p:cSld>
@@ -20619,7 +20619,7 @@
           <a:blip r:embed="rId2">
             <a:extLst>
               <a:ext uri="{28A0092B-C50C-407E-A947-70E740481C1C}">
-                <a14:useLocalDpi xmlns:a14="http://schemas.microsoft.com/office/drawing/2010/main" xmlns="" val="0"/>
+                <a14:useLocalDpi xmlns="" xmlns:a14="http://schemas.microsoft.com/office/drawing/2010/main" val="0"/>
               </a:ext>
             </a:extLst>
           </a:blip>
@@ -21073,7 +21073,7 @@
     </p:spTree>
     <p:extLst>
       <p:ext uri="{BB962C8B-B14F-4D97-AF65-F5344CB8AC3E}">
-        <p14:creationId xmlns:p14="http://schemas.microsoft.com/office/powerpoint/2010/main" xmlns="" val="2848728424"/>
+        <p14:creationId xmlns="" xmlns:p14="http://schemas.microsoft.com/office/powerpoint/2010/main" val="2848728424"/>
       </p:ext>
     </p:extLst>
   </p:cSld>
@@ -21119,7 +21119,7 @@
           <a:blip r:embed="rId2">
             <a:extLst>
               <a:ext uri="{28A0092B-C50C-407E-A947-70E740481C1C}">
-                <a14:useLocalDpi xmlns:a14="http://schemas.microsoft.com/office/drawing/2010/main" xmlns="" val="0"/>
+                <a14:useLocalDpi xmlns="" xmlns:a14="http://schemas.microsoft.com/office/drawing/2010/main" val="0"/>
               </a:ext>
             </a:extLst>
           </a:blip>
@@ -21561,7 +21561,7 @@
           <p:cNvPr id="11" name="Rectangle 10">
             <a:extLst>
               <a:ext uri="{FF2B5EF4-FFF2-40B4-BE49-F238E27FC236}">
-                <a16:creationId xmlns:a16="http://schemas.microsoft.com/office/drawing/2014/main" xmlns="" id="{206016ED-72BE-418C-807D-52DC06FF490C}"/>
+                <a16:creationId xmlns="" xmlns:a16="http://schemas.microsoft.com/office/drawing/2014/main" id="{206016ED-72BE-418C-807D-52DC06FF490C}"/>
               </a:ext>
             </a:extLst>
           </p:cNvPr>
@@ -21691,7 +21691,7 @@
           <p:cNvPr id="12" name="Rectangle 11">
             <a:extLst>
               <a:ext uri="{FF2B5EF4-FFF2-40B4-BE49-F238E27FC236}">
-                <a16:creationId xmlns:a16="http://schemas.microsoft.com/office/drawing/2014/main" xmlns="" id="{206016ED-72BE-418C-807D-52DC06FF490C}"/>
+                <a16:creationId xmlns="" xmlns:a16="http://schemas.microsoft.com/office/drawing/2014/main" id="{206016ED-72BE-418C-807D-52DC06FF490C}"/>
               </a:ext>
             </a:extLst>
           </p:cNvPr>
@@ -21858,7 +21858,7 @@
           <p:cNvPr id="13" name="Rectangle 12">
             <a:extLst>
               <a:ext uri="{FF2B5EF4-FFF2-40B4-BE49-F238E27FC236}">
-                <a16:creationId xmlns:a16="http://schemas.microsoft.com/office/drawing/2014/main" xmlns="" id="{206016ED-72BE-418C-807D-52DC06FF490C}"/>
+                <a16:creationId xmlns="" xmlns:a16="http://schemas.microsoft.com/office/drawing/2014/main" id="{206016ED-72BE-418C-807D-52DC06FF490C}"/>
               </a:ext>
             </a:extLst>
           </p:cNvPr>
@@ -22023,7 +22023,7 @@
     </p:spTree>
     <p:extLst>
       <p:ext uri="{BB962C8B-B14F-4D97-AF65-F5344CB8AC3E}">
-        <p14:creationId xmlns:p14="http://schemas.microsoft.com/office/powerpoint/2010/main" xmlns="" val="2848728424"/>
+        <p14:creationId xmlns="" xmlns:p14="http://schemas.microsoft.com/office/powerpoint/2010/main" val="2848728424"/>
       </p:ext>
     </p:extLst>
   </p:cSld>
@@ -22295,7 +22295,7 @@
   <a:extraClrSchemeLst/>
   <a:extLst>
     <a:ext uri="{05A4C25C-085E-4340-85A3-A5531E510DB2}">
-      <thm15:themeFamily xmlns:thm15="http://schemas.microsoft.com/office/thememl/2012/main" xmlns="" name="Office Theme" id="{62F939B6-93AF-4DB8-9C6B-D6C7DFDC589F}" vid="{4A3C46E8-61CC-4603-A589-7422A47A8E4A}"/>
+      <thm15:themeFamily xmlns="" xmlns:thm15="http://schemas.microsoft.com/office/thememl/2012/main" name="Office Theme" id="{62F939B6-93AF-4DB8-9C6B-D6C7DFDC589F}" vid="{4A3C46E8-61CC-4603-A589-7422A47A8E4A}"/>
     </a:ext>
   </a:extLst>
 </a:theme>
